--- a/logos.pptx
+++ b/logos.pptx
@@ -104,7 +104,73 @@
       </a:defRPr>
     </a:lvl9pPr>
   </p:defaultTextStyle>
+  <p:extLst>
+    <p:ext uri="{EFAFB233-063F-42B5-8137-9DF3F51BA10A}">
+      <p15:sldGuideLst xmlns:p15="http://schemas.microsoft.com/office/powerpoint/2012/main"/>
+    </p:ext>
+  </p:extLst>
 </p:presentation>
+</file>
+
+<file path=ppt/revisionInfo.xml><?xml version="1.0" encoding="utf-8"?>
+<p1510:revInfo xmlns:a="http://schemas.openxmlformats.org/drawingml/2006/main" xmlns:r="http://schemas.openxmlformats.org/officeDocument/2006/relationships" xmlns:p1510="http://schemas.microsoft.com/office/powerpoint/2015/10/main">
+  <p1510:revLst>
+    <p1510:client id="{1FED57A7-32AE-407C-BD40-B550A893356F}" v="5" dt="2022-11-17T01:41:40.711"/>
+  </p1510:revLst>
+</p1510:revInfo>
+</file>
+
+<file path=ppt/changesInfos/changesInfo1.xml><?xml version="1.0" encoding="utf-8"?>
+<pc:chgInfo xmlns:a="http://schemas.openxmlformats.org/drawingml/2006/main" xmlns:r="http://schemas.openxmlformats.org/officeDocument/2006/relationships" xmlns:ac="http://schemas.microsoft.com/office/drawing/2013/main/command" xmlns:pc="http://schemas.microsoft.com/office/powerpoint/2013/main/command">
+  <pc:docChgLst>
+    <pc:chgData name="Tyler Bokey" userId="384fa7b039c67c89" providerId="LiveId" clId="{1FED57A7-32AE-407C-BD40-B550A893356F}"/>
+    <pc:docChg chg="modSld">
+      <pc:chgData name="Tyler Bokey" userId="384fa7b039c67c89" providerId="LiveId" clId="{1FED57A7-32AE-407C-BD40-B550A893356F}" dt="2022-11-17T01:41:40.711" v="3" actId="14100"/>
+      <pc:docMkLst>
+        <pc:docMk/>
+      </pc:docMkLst>
+      <pc:sldChg chg="modSp">
+        <pc:chgData name="Tyler Bokey" userId="384fa7b039c67c89" providerId="LiveId" clId="{1FED57A7-32AE-407C-BD40-B550A893356F}" dt="2022-11-17T01:41:40.711" v="3" actId="14100"/>
+        <pc:sldMkLst>
+          <pc:docMk/>
+          <pc:sldMk cId="776147586" sldId="256"/>
+        </pc:sldMkLst>
+        <pc:grpChg chg="mod">
+          <ac:chgData name="Tyler Bokey" userId="384fa7b039c67c89" providerId="LiveId" clId="{1FED57A7-32AE-407C-BD40-B550A893356F}" dt="2022-11-17T01:41:40.711" v="3" actId="14100"/>
+          <ac:grpSpMkLst>
+            <pc:docMk/>
+            <pc:sldMk cId="776147586" sldId="256"/>
+            <ac:grpSpMk id="11" creationId="{2C598E51-A7A4-F5ED-5B4A-E03D5DC56C95}"/>
+          </ac:grpSpMkLst>
+        </pc:grpChg>
+        <pc:picChg chg="mod">
+          <ac:chgData name="Tyler Bokey" userId="384fa7b039c67c89" providerId="LiveId" clId="{1FED57A7-32AE-407C-BD40-B550A893356F}" dt="2022-11-17T01:41:40.711" v="3" actId="14100"/>
+          <ac:picMkLst>
+            <pc:docMk/>
+            <pc:sldMk cId="776147586" sldId="256"/>
+            <ac:picMk id="5" creationId="{8437EE4D-CBA8-8CF0-2216-7BD65AD420CE}"/>
+          </ac:picMkLst>
+        </pc:picChg>
+        <pc:picChg chg="mod">
+          <ac:chgData name="Tyler Bokey" userId="384fa7b039c67c89" providerId="LiveId" clId="{1FED57A7-32AE-407C-BD40-B550A893356F}" dt="2022-11-17T01:41:40.711" v="3" actId="14100"/>
+          <ac:picMkLst>
+            <pc:docMk/>
+            <pc:sldMk cId="776147586" sldId="256"/>
+            <ac:picMk id="1026" creationId="{36C73A4C-2D2D-C101-822C-0354E63C4E02}"/>
+          </ac:picMkLst>
+        </pc:picChg>
+        <pc:cxnChg chg="mod">
+          <ac:chgData name="Tyler Bokey" userId="384fa7b039c67c89" providerId="LiveId" clId="{1FED57A7-32AE-407C-BD40-B550A893356F}" dt="2022-11-17T01:41:40.711" v="3" actId="14100"/>
+          <ac:cxnSpMkLst>
+            <pc:docMk/>
+            <pc:sldMk cId="776147586" sldId="256"/>
+            <ac:cxnSpMk id="7" creationId="{92F7177C-C38C-AA8A-9BFA-C983D12514D7}"/>
+          </ac:cxnSpMkLst>
+        </pc:cxnChg>
+      </pc:sldChg>
+    </pc:docChg>
+  </pc:docChgLst>
+</pc:chgInfo>
 </file>
 
 <file path=ppt/slideLayouts/slideLayout1.xml><?xml version="1.0" encoding="utf-8"?>
@@ -254,7 +320,7 @@
           <a:p>
             <a:fld id="{11CEB1E5-D1C5-434C-BF4B-A1DA2C33044F}" type="datetimeFigureOut">
               <a:rPr lang="en-US" smtClean="0"/>
-              <a:t>11/6/2022</a:t>
+              <a:t>11/16/2022</a:t>
             </a:fld>
             <a:endParaRPr lang="en-US"/>
           </a:p>
@@ -452,7 +518,7 @@
           <a:p>
             <a:fld id="{11CEB1E5-D1C5-434C-BF4B-A1DA2C33044F}" type="datetimeFigureOut">
               <a:rPr lang="en-US" smtClean="0"/>
-              <a:t>11/6/2022</a:t>
+              <a:t>11/16/2022</a:t>
             </a:fld>
             <a:endParaRPr lang="en-US"/>
           </a:p>
@@ -660,7 +726,7 @@
           <a:p>
             <a:fld id="{11CEB1E5-D1C5-434C-BF4B-A1DA2C33044F}" type="datetimeFigureOut">
               <a:rPr lang="en-US" smtClean="0"/>
-              <a:t>11/6/2022</a:t>
+              <a:t>11/16/2022</a:t>
             </a:fld>
             <a:endParaRPr lang="en-US"/>
           </a:p>
@@ -858,7 +924,7 @@
           <a:p>
             <a:fld id="{11CEB1E5-D1C5-434C-BF4B-A1DA2C33044F}" type="datetimeFigureOut">
               <a:rPr lang="en-US" smtClean="0"/>
-              <a:t>11/6/2022</a:t>
+              <a:t>11/16/2022</a:t>
             </a:fld>
             <a:endParaRPr lang="en-US"/>
           </a:p>
@@ -1133,7 +1199,7 @@
           <a:p>
             <a:fld id="{11CEB1E5-D1C5-434C-BF4B-A1DA2C33044F}" type="datetimeFigureOut">
               <a:rPr lang="en-US" smtClean="0"/>
-              <a:t>11/6/2022</a:t>
+              <a:t>11/16/2022</a:t>
             </a:fld>
             <a:endParaRPr lang="en-US"/>
           </a:p>
@@ -1398,7 +1464,7 @@
           <a:p>
             <a:fld id="{11CEB1E5-D1C5-434C-BF4B-A1DA2C33044F}" type="datetimeFigureOut">
               <a:rPr lang="en-US" smtClean="0"/>
-              <a:t>11/6/2022</a:t>
+              <a:t>11/16/2022</a:t>
             </a:fld>
             <a:endParaRPr lang="en-US"/>
           </a:p>
@@ -1810,7 +1876,7 @@
           <a:p>
             <a:fld id="{11CEB1E5-D1C5-434C-BF4B-A1DA2C33044F}" type="datetimeFigureOut">
               <a:rPr lang="en-US" smtClean="0"/>
-              <a:t>11/6/2022</a:t>
+              <a:t>11/16/2022</a:t>
             </a:fld>
             <a:endParaRPr lang="en-US"/>
           </a:p>
@@ -1951,7 +2017,7 @@
           <a:p>
             <a:fld id="{11CEB1E5-D1C5-434C-BF4B-A1DA2C33044F}" type="datetimeFigureOut">
               <a:rPr lang="en-US" smtClean="0"/>
-              <a:t>11/6/2022</a:t>
+              <a:t>11/16/2022</a:t>
             </a:fld>
             <a:endParaRPr lang="en-US"/>
           </a:p>
@@ -2064,7 +2130,7 @@
           <a:p>
             <a:fld id="{11CEB1E5-D1C5-434C-BF4B-A1DA2C33044F}" type="datetimeFigureOut">
               <a:rPr lang="en-US" smtClean="0"/>
-              <a:t>11/6/2022</a:t>
+              <a:t>11/16/2022</a:t>
             </a:fld>
             <a:endParaRPr lang="en-US"/>
           </a:p>
@@ -2375,7 +2441,7 @@
           <a:p>
             <a:fld id="{11CEB1E5-D1C5-434C-BF4B-A1DA2C33044F}" type="datetimeFigureOut">
               <a:rPr lang="en-US" smtClean="0"/>
-              <a:t>11/6/2022</a:t>
+              <a:t>11/16/2022</a:t>
             </a:fld>
             <a:endParaRPr lang="en-US"/>
           </a:p>
@@ -2663,7 +2729,7 @@
           <a:p>
             <a:fld id="{11CEB1E5-D1C5-434C-BF4B-A1DA2C33044F}" type="datetimeFigureOut">
               <a:rPr lang="en-US" smtClean="0"/>
-              <a:t>11/6/2022</a:t>
+              <a:t>11/16/2022</a:t>
             </a:fld>
             <a:endParaRPr lang="en-US"/>
           </a:p>
@@ -2904,7 +2970,7 @@
           <a:p>
             <a:fld id="{11CEB1E5-D1C5-434C-BF4B-A1DA2C33044F}" type="datetimeFigureOut">
               <a:rPr lang="en-US" smtClean="0"/>
-              <a:t>11/6/2022</a:t>
+              <a:t>11/16/2022</a:t>
             </a:fld>
             <a:endParaRPr lang="en-US"/>
           </a:p>
@@ -3335,8 +3401,8 @@
         </p:nvGrpSpPr>
         <p:grpSpPr>
           <a:xfrm>
-            <a:off x="5695072" y="4763652"/>
-            <a:ext cx="801855" cy="375034"/>
+            <a:off x="4399722" y="4227443"/>
+            <a:ext cx="2097205" cy="911243"/>
             <a:chOff x="7292837" y="4630302"/>
             <a:chExt cx="801855" cy="375034"/>
           </a:xfrm>
@@ -3357,6 +3423,13 @@
           </p:nvPicPr>
           <p:blipFill>
             <a:blip r:embed="rId2">
+              <a:duotone>
+                <a:prstClr val="black"/>
+                <a:srgbClr val="FFD520">
+                  <a:tint val="45000"/>
+                  <a:satMod val="400000"/>
+                </a:srgbClr>
+              </a:duotone>
               <a:extLst>
                 <a:ext uri="{28A0092B-C50C-407E-A947-70E740481C1C}">
                   <a14:useLocalDpi xmlns:a14="http://schemas.microsoft.com/office/drawing/2010/main" val="0"/>
